--- a/node/lesson-46-debugging-node/debugging-node.pptx
+++ b/node/lesson-46-debugging-node/debugging-node.pptx
@@ -4085,14 +4085,7 @@
                 <a:latin typeface="Monaco"/>
                 <a:cs typeface="Monaco"/>
               </a:rPr>
-              <a:t>node</a:t>
-            </a:r>
-            <a:r>
-              <a:rPr lang="en-US" sz="1600" dirty="0" smtClean="0">
-                <a:latin typeface="Monaco"/>
-                <a:cs typeface="Monaco"/>
-              </a:rPr>
-              <a:t>-debug </a:t>
+              <a:t>node-debug </a:t>
             </a:r>
             <a:r>
               <a:rPr lang="en-US" sz="1600" dirty="0" err="1" smtClean="0">
@@ -4950,12 +4943,24 @@
           <a:lstStyle/>
           <a:p>
             <a:r>
-              <a:rPr lang="en-US" dirty="0" err="1" smtClean="0"/>
+              <a:rPr lang="en-US" dirty="0" err="1" smtClean="0">
+                <a:solidFill>
+                  <a:srgbClr val="FF0000"/>
+                </a:solidFill>
+              </a:rPr>
               <a:t>Node.js</a:t>
             </a:r>
             <a:r>
-              <a:rPr lang="en-US" dirty="0" smtClean="0"/>
-              <a:t> provides many built-in utilities for reporting to the console.</a:t>
+              <a:rPr lang="en-US" dirty="0" smtClean="0">
+                <a:solidFill>
+                  <a:srgbClr val="FF0000"/>
+                </a:solidFill>
+              </a:rPr>
+              <a:t> </a:t>
+            </a:r>
+            <a:r>
+              <a:rPr lang="en-US" dirty="0" smtClean="0"/>
+              <a:t>provides many built-in utilities for reporting to the console.</a:t>
             </a:r>
           </a:p>
           <a:p>
@@ -4987,15 +4992,7 @@
           <a:p>
             <a:r>
               <a:rPr lang="en-US" dirty="0" smtClean="0"/>
-              <a:t>Remember that debugging is manual activity</a:t>
-            </a:r>
-            <a:r>
-              <a:rPr lang="en-US" smtClean="0"/>
-              <a:t>: automate </a:t>
-            </a:r>
-            <a:r>
-              <a:rPr lang="en-US" dirty="0" smtClean="0"/>
-              <a:t>validation through tests (coming next!)</a:t>
+              <a:t>Remember that debugging is manual activity: automate validation through tests (coming next!)</a:t>
             </a:r>
           </a:p>
           <a:p>
@@ -5118,7 +5115,11 @@
           </a:p>
           <a:p>
             <a:r>
-              <a:rPr lang="en-US" dirty="0" err="1" smtClean="0"/>
+              <a:rPr lang="en-US" dirty="0" err="1" smtClean="0">
+                <a:solidFill>
+                  <a:srgbClr val="FF0000"/>
+                </a:solidFill>
+              </a:rPr>
               <a:t>Node.js</a:t>
             </a:r>
             <a:r>
@@ -5264,18 +5265,38 @@
               <a:t>Synchronous output to </a:t>
             </a:r>
             <a:r>
-              <a:rPr lang="en-US" dirty="0" err="1" smtClean="0"/>
+              <a:rPr lang="en-US" dirty="0" err="1" smtClean="0">
+                <a:solidFill>
+                  <a:srgbClr val="FF0000"/>
+                </a:solidFill>
+              </a:rPr>
               <a:t>stdout</a:t>
             </a:r>
             <a:r>
-              <a:rPr lang="en-US" dirty="0" smtClean="0"/>
-              <a:t> and </a:t>
-            </a:r>
-            <a:r>
-              <a:rPr lang="en-US" dirty="0" err="1" smtClean="0"/>
+              <a:rPr lang="en-US" dirty="0" smtClean="0">
+                <a:solidFill>
+                  <a:srgbClr val="FF0000"/>
+                </a:solidFill>
+              </a:rPr>
+              <a:t> </a:t>
+            </a:r>
+            <a:r>
+              <a:rPr lang="en-US" dirty="0" smtClean="0"/>
+              <a:t>and </a:t>
+            </a:r>
+            <a:r>
+              <a:rPr lang="en-US" dirty="0" err="1" smtClean="0">
+                <a:solidFill>
+                  <a:srgbClr val="FF0000"/>
+                </a:solidFill>
+              </a:rPr>
               <a:t>stderr</a:t>
             </a:r>
-            <a:endParaRPr lang="en-US" dirty="0" smtClean="0"/>
+            <a:endParaRPr lang="en-US" dirty="0" smtClean="0">
+              <a:solidFill>
+                <a:srgbClr val="FF0000"/>
+              </a:solidFill>
+            </a:endParaRPr>
           </a:p>
           <a:p>
             <a:r>
@@ -5316,10 +5337,18 @@
               <a:t> to </a:t>
             </a:r>
             <a:r>
-              <a:rPr lang="en-US" dirty="0" err="1" smtClean="0"/>
+              <a:rPr lang="en-US" dirty="0" err="1" smtClean="0">
+                <a:solidFill>
+                  <a:srgbClr val="FF0000"/>
+                </a:solidFill>
+              </a:rPr>
               <a:t>stdout</a:t>
             </a:r>
-            <a:endParaRPr lang="en-US" dirty="0" smtClean="0"/>
+            <a:endParaRPr lang="en-US" dirty="0" smtClean="0">
+              <a:solidFill>
+                <a:srgbClr val="FF0000"/>
+              </a:solidFill>
+            </a:endParaRPr>
           </a:p>
           <a:p>
             <a:pPr lvl="1"/>
@@ -5369,54 +5398,70 @@
               <a:t> to </a:t>
             </a:r>
             <a:r>
-              <a:rPr lang="en-US" dirty="0" err="1" smtClean="0"/>
+              <a:rPr lang="en-US" dirty="0" err="1" smtClean="0">
+                <a:solidFill>
+                  <a:srgbClr val="FF0000"/>
+                </a:solidFill>
+              </a:rPr>
               <a:t>stdout</a:t>
             </a:r>
+            <a:endParaRPr lang="en-US" dirty="0">
+              <a:solidFill>
+                <a:srgbClr val="FF0000"/>
+              </a:solidFill>
+            </a:endParaRPr>
+          </a:p>
+          <a:p>
+            <a:pPr lvl="1"/>
+            <a:r>
+              <a:rPr lang="en-US" dirty="0" smtClean="0"/>
+              <a:t>Prefixed with “DEBUG”</a:t>
+            </a:r>
             <a:endParaRPr lang="en-US" dirty="0"/>
           </a:p>
           <a:p>
+            <a:r>
+              <a:rPr lang="en-US" sz="1800" dirty="0" err="1">
+                <a:latin typeface="Monaco"/>
+              </a:rPr>
+              <a:t>util.error</a:t>
+            </a:r>
+            <a:r>
+              <a:rPr lang="en-US" sz="1800" dirty="0">
+                <a:latin typeface="Monaco"/>
+              </a:rPr>
+              <a:t>([...]</a:t>
+            </a:r>
+            <a:r>
+              <a:rPr lang="en-US" sz="1800" dirty="0" smtClean="0">
+                <a:latin typeface="Monaco"/>
+              </a:rPr>
+              <a:t>)</a:t>
+            </a:r>
+            <a:r>
+              <a:rPr lang="en-US" dirty="0" smtClean="0"/>
+              <a:t> </a:t>
+            </a:r>
+          </a:p>
+          <a:p>
             <a:pPr lvl="1"/>
             <a:r>
               <a:rPr lang="en-US" dirty="0" smtClean="0"/>
-              <a:t>Prefixed with “DEBUG”</a:t>
-            </a:r>
-            <a:endParaRPr lang="en-US" dirty="0"/>
-          </a:p>
-          <a:p>
-            <a:r>
-              <a:rPr lang="en-US" sz="1800" dirty="0" err="1">
-                <a:latin typeface="Monaco"/>
-              </a:rPr>
-              <a:t>util.error</a:t>
-            </a:r>
-            <a:r>
-              <a:rPr lang="en-US" sz="1800" dirty="0">
-                <a:latin typeface="Monaco"/>
-              </a:rPr>
-              <a:t>([...]</a:t>
-            </a:r>
-            <a:r>
-              <a:rPr lang="en-US" sz="1800" dirty="0" smtClean="0">
-                <a:latin typeface="Monaco"/>
-              </a:rPr>
-              <a:t>)</a:t>
-            </a:r>
-            <a:r>
-              <a:rPr lang="en-US" dirty="0" smtClean="0"/>
-              <a:t> </a:t>
-            </a:r>
-          </a:p>
-          <a:p>
-            <a:pPr lvl="1"/>
-            <a:r>
-              <a:rPr lang="en-US" dirty="0" smtClean="0"/>
               <a:t>Prints arguments to </a:t>
             </a:r>
             <a:r>
-              <a:rPr lang="en-US" dirty="0" err="1" smtClean="0"/>
+              <a:rPr lang="en-US" dirty="0" err="1" smtClean="0">
+                <a:solidFill>
+                  <a:srgbClr val="FF0000"/>
+                </a:solidFill>
+              </a:rPr>
               <a:t>stderr</a:t>
             </a:r>
-            <a:endParaRPr lang="en-US" dirty="0" smtClean="0"/>
+            <a:endParaRPr lang="en-US" dirty="0" smtClean="0">
+              <a:solidFill>
+                <a:srgbClr val="FF0000"/>
+              </a:solidFill>
+            </a:endParaRPr>
           </a:p>
           <a:p>
             <a:pPr lvl="1"/>
@@ -5651,6 +5696,9 @@
             </a:r>
             <a:r>
               <a:rPr lang="en-US" sz="1800" dirty="0" err="1" smtClean="0">
+                <a:solidFill>
+                  <a:srgbClr val="FF0000"/>
+                </a:solidFill>
                 <a:latin typeface="Monaco"/>
               </a:rPr>
               <a:t>util.inspect</a:t>
@@ -5808,6 +5856,9 @@
           <a:p>
             <a:r>
               <a:rPr lang="en-US" sz="1800" dirty="0" err="1" smtClean="0">
+                <a:solidFill>
+                  <a:srgbClr val="FF0000"/>
+                </a:solidFill>
                 <a:latin typeface="Monaco"/>
               </a:rPr>
               <a:t>util.inspect</a:t>
@@ -5847,37 +5898,77 @@
           <a:p>
             <a:pPr lvl="1"/>
             <a:r>
-              <a:rPr lang="en-US" dirty="0" err="1" smtClean="0"/>
+              <a:rPr lang="en-US" dirty="0" err="1" smtClean="0">
+                <a:solidFill>
+                  <a:srgbClr val="FF0000"/>
+                </a:solidFill>
+              </a:rPr>
               <a:t>showHidden</a:t>
             </a:r>
             <a:r>
-              <a:rPr lang="en-US" dirty="0" smtClean="0"/>
-              <a:t> – lists object’s non-enumerable properties</a:t>
+              <a:rPr lang="en-US" dirty="0" smtClean="0">
+                <a:solidFill>
+                  <a:srgbClr val="FF0000"/>
+                </a:solidFill>
+              </a:rPr>
+              <a:t> </a:t>
+            </a:r>
+            <a:r>
+              <a:rPr lang="en-US" dirty="0" smtClean="0"/>
+              <a:t>– lists object’s non-enumerable properties</a:t>
             </a:r>
           </a:p>
           <a:p>
             <a:pPr lvl="1"/>
             <a:r>
-              <a:rPr lang="en-US" dirty="0" smtClean="0"/>
-              <a:t>depth – recursion depth</a:t>
+              <a:rPr lang="en-US" dirty="0" smtClean="0">
+                <a:solidFill>
+                  <a:srgbClr val="FF0000"/>
+                </a:solidFill>
+              </a:rPr>
+              <a:t>depth</a:t>
+            </a:r>
+            <a:r>
+              <a:rPr lang="en-US" dirty="0" smtClean="0"/>
+              <a:t> – recursion depth</a:t>
             </a:r>
           </a:p>
           <a:p>
             <a:pPr lvl="1"/>
             <a:r>
-              <a:rPr lang="en-US" dirty="0" smtClean="0"/>
-              <a:t>colors – use ANSI color codes</a:t>
+              <a:rPr lang="en-US" dirty="0" smtClean="0">
+                <a:solidFill>
+                  <a:srgbClr val="FF0000"/>
+                </a:solidFill>
+              </a:rPr>
+              <a:t>colors</a:t>
+            </a:r>
+            <a:r>
+              <a:rPr lang="en-US" dirty="0" smtClean="0"/>
+              <a:t> – use ANSI color codes</a:t>
             </a:r>
           </a:p>
           <a:p>
             <a:pPr lvl="1"/>
             <a:r>
-              <a:rPr lang="en-US" dirty="0" err="1" smtClean="0"/>
+              <a:rPr lang="en-US" dirty="0" err="1" smtClean="0">
+                <a:solidFill>
+                  <a:srgbClr val="FF0000"/>
+                </a:solidFill>
+              </a:rPr>
               <a:t>customInspect</a:t>
             </a:r>
             <a:r>
-              <a:rPr lang="en-US" dirty="0" smtClean="0"/>
-              <a:t> – use custom inspect() functions</a:t>
+              <a:rPr lang="en-US" dirty="0" smtClean="0">
+                <a:solidFill>
+                  <a:srgbClr val="FF0000"/>
+                </a:solidFill>
+              </a:rPr>
+              <a:t> </a:t>
+            </a:r>
+            <a:r>
+              <a:rPr lang="en-US" dirty="0" smtClean="0"/>
+              <a:t>– use custom inspect() functions</a:t>
             </a:r>
           </a:p>
           <a:p>
